--- a/Cybersecurity/Summary_Notes_Topics.pptx
+++ b/Cybersecurity/Summary_Notes_Topics.pptx
@@ -5,7 +5,7 @@
     <p:sldMasterId id="2147483648" r:id="rId5"/>
   </p:sldMasterIdLst>
   <p:notesMasterIdLst>
-    <p:notesMasterId r:id="rId12"/>
+    <p:notesMasterId r:id="rId13"/>
   </p:notesMasterIdLst>
   <p:sldIdLst>
     <p:sldId id="256" r:id="rId6"/>
@@ -13,7 +13,8 @@
     <p:sldId id="336" r:id="rId8"/>
     <p:sldId id="337" r:id="rId9"/>
     <p:sldId id="338" r:id="rId10"/>
-    <p:sldId id="339" r:id="rId11"/>
+    <p:sldId id="340" r:id="rId11"/>
+    <p:sldId id="339" r:id="rId12"/>
   </p:sldIdLst>
   <p:sldSz cx="12192000" cy="6858000"/>
   <p:notesSz cx="6858000" cy="9144000"/>
@@ -271,7 +272,7 @@
               <a:pPr>
                 <a:defRPr/>
               </a:pPr>
-              <a:t>12/13/2022</a:t>
+              <a:t>6/17/2023</a:t>
             </a:fld>
             <a:endParaRPr lang="en-US"/>
           </a:p>
@@ -7409,7 +7410,7 @@
 </file>
 
 <file path=ppt/slides/slide4.xml><?xml version="1.0" encoding="utf-8"?>
-<p:sld xmlns:a="http://schemas.openxmlformats.org/drawingml/2006/main" xmlns:r="http://schemas.openxmlformats.org/officeDocument/2006/relationships" xmlns:p="http://schemas.openxmlformats.org/presentationml/2006/main">
+<p:sld xmlns:a="http://schemas.openxmlformats.org/drawingml/2006/main" xmlns:r="http://schemas.openxmlformats.org/officeDocument/2006/relationships" xmlns:p="http://schemas.openxmlformats.org/presentationml/2006/main" show="0">
   <p:cSld>
     <p:spTree>
       <p:nvGrpSpPr>
@@ -7605,6 +7606,14 @@
   <p:clrMapOvr>
     <a:masterClrMapping/>
   </p:clrMapOvr>
+  <mc:AlternateContent xmlns:mc="http://schemas.openxmlformats.org/markup-compatibility/2006">
+    <mc:Choice xmlns:p14="http://schemas.microsoft.com/office/powerpoint/2010/main" Requires="p14">
+      <p:transition spd="slow" p14:dur="2000"/>
+    </mc:Choice>
+    <mc:Fallback>
+      <p:transition spd="slow"/>
+    </mc:Fallback>
+  </mc:AlternateContent>
 </p:sld>
 </file>
 
@@ -7653,7 +7662,7 @@
           <a:p>
             <a:pPr algn="l"/>
             <a:r>
-              <a:rPr lang="it-IT" sz="2400" b="1">
+              <a:rPr lang="it-IT" sz="2400" b="1" dirty="0">
                 <a:solidFill>
                   <a:schemeClr val="tx1"/>
                 </a:solidFill>
@@ -7661,13 +7670,10 @@
                 <a:ea typeface="Tahoma" panose="020B0604030504040204" pitchFamily="34" charset="0"/>
                 <a:cs typeface="Tahoma" panose="020B0604030504040204" pitchFamily="34" charset="0"/>
               </a:rPr>
-              <a:t>- Nozioni di analisi dati e intelligenza artificiale </a:t>
-            </a:r>
-          </a:p>
-          <a:p>
-            <a:pPr algn="l"/>
-            <a:r>
-              <a:rPr lang="it-IT" sz="2400">
+              <a:t>- </a:t>
+            </a:r>
+            <a:r>
+              <a:rPr lang="it-IT" sz="2400" b="1" dirty="0" smtClean="0">
                 <a:solidFill>
                   <a:schemeClr val="tx1"/>
                 </a:solidFill>
@@ -7675,13 +7681,10 @@
                 <a:ea typeface="Tahoma" panose="020B0604030504040204" pitchFamily="34" charset="0"/>
                 <a:cs typeface="Tahoma" panose="020B0604030504040204" pitchFamily="34" charset="0"/>
               </a:rPr>
-              <a:t>▪ Elementi di modellazione statistica </a:t>
-            </a:r>
-          </a:p>
-          <a:p>
-            <a:pPr algn="l"/>
-            <a:r>
-              <a:rPr lang="it-IT" sz="2400">
+              <a:t>Programmazione</a:t>
+            </a:r>
+            <a:r>
+              <a:rPr lang="it-IT" sz="2400" b="1" dirty="0">
                 <a:solidFill>
                   <a:schemeClr val="tx1"/>
                 </a:solidFill>
@@ -7689,13 +7692,12 @@
                 <a:ea typeface="Tahoma" panose="020B0604030504040204" pitchFamily="34" charset="0"/>
                 <a:cs typeface="Tahoma" panose="020B0604030504040204" pitchFamily="34" charset="0"/>
               </a:rPr>
-              <a:t>▪ Problemi di classificazione e predizione </a:t>
-            </a:r>
-          </a:p>
-          <a:p>
-            <a:pPr algn="l"/>
-            <a:r>
-              <a:rPr lang="it-IT" sz="2400">
+              <a:t>, strutture e modelli dati</a:t>
+            </a:r>
+          </a:p>
+          <a:p>
+            <a:r>
+              <a:rPr lang="it-IT" sz="2400" dirty="0">
                 <a:solidFill>
                   <a:schemeClr val="tx1"/>
                 </a:solidFill>
@@ -7703,13 +7705,12 @@
                 <a:ea typeface="Tahoma" panose="020B0604030504040204" pitchFamily="34" charset="0"/>
                 <a:cs typeface="Tahoma" panose="020B0604030504040204" pitchFamily="34" charset="0"/>
               </a:rPr>
-              <a:t>▪ Elaborazione del linguaggio naturale </a:t>
-            </a:r>
-          </a:p>
-          <a:p>
-            <a:pPr algn="l"/>
-            <a:r>
-              <a:rPr lang="it-IT" sz="2400">
+              <a:t>▪ Programmazione orientata agli oggetti</a:t>
+            </a:r>
+          </a:p>
+          <a:p>
+            <a:r>
+              <a:rPr lang="it-IT" sz="2400" dirty="0">
                 <a:solidFill>
                   <a:schemeClr val="tx1"/>
                 </a:solidFill>
@@ -7717,13 +7718,12 @@
                 <a:ea typeface="Tahoma" panose="020B0604030504040204" pitchFamily="34" charset="0"/>
                 <a:cs typeface="Tahoma" panose="020B0604030504040204" pitchFamily="34" charset="0"/>
               </a:rPr>
-              <a:t>▪ Modelli supervisionati e non supervisionati </a:t>
-            </a:r>
-          </a:p>
-          <a:p>
-            <a:pPr algn="l"/>
-            <a:r>
-              <a:rPr lang="it-IT" sz="2400">
+              <a:t>▪ Analisi e progettazione del software</a:t>
+            </a:r>
+          </a:p>
+          <a:p>
+            <a:r>
+              <a:rPr lang="it-IT" sz="2400" dirty="0">
                 <a:solidFill>
                   <a:schemeClr val="tx1"/>
                 </a:solidFill>
@@ -7731,13 +7731,12 @@
                 <a:ea typeface="Tahoma" panose="020B0604030504040204" pitchFamily="34" charset="0"/>
                 <a:cs typeface="Tahoma" panose="020B0604030504040204" pitchFamily="34" charset="0"/>
               </a:rPr>
-              <a:t>▪ Reti neurali e deep learning </a:t>
-            </a:r>
-          </a:p>
-          <a:p>
-            <a:pPr algn="l"/>
-            <a:r>
-              <a:rPr lang="it-IT" sz="2400">
+              <a:t>▪ Strutture di dati</a:t>
+            </a:r>
+          </a:p>
+          <a:p>
+            <a:r>
+              <a:rPr lang="it-IT" sz="2400" dirty="0">
                 <a:solidFill>
                   <a:schemeClr val="tx1"/>
                 </a:solidFill>
@@ -7745,13 +7744,10 @@
                 <a:ea typeface="Tahoma" panose="020B0604030504040204" pitchFamily="34" charset="0"/>
                 <a:cs typeface="Tahoma" panose="020B0604030504040204" pitchFamily="34" charset="0"/>
               </a:rPr>
-              <a:t>▪ Algoritmi </a:t>
-            </a:r>
-          </a:p>
-          <a:p>
-            <a:pPr algn="l"/>
-            <a:r>
-              <a:rPr lang="it-IT" sz="2400">
+              <a:t>▪ Database relazionali e </a:t>
+            </a:r>
+            <a:r>
+              <a:rPr lang="it-IT" sz="2400" dirty="0" err="1">
                 <a:solidFill>
                   <a:schemeClr val="tx1"/>
                 </a:solidFill>
@@ -7759,8 +7755,50 @@
                 <a:ea typeface="Tahoma" panose="020B0604030504040204" pitchFamily="34" charset="0"/>
                 <a:cs typeface="Tahoma" panose="020B0604030504040204" pitchFamily="34" charset="0"/>
               </a:rPr>
-              <a:t>▪ Elementi di Machine Learning, Artificial Intelligence e Blockchain</a:t>
-            </a:r>
+              <a:t>NoSQL</a:t>
+            </a:r>
+            <a:endParaRPr lang="it-IT" sz="2400" dirty="0">
+              <a:solidFill>
+                <a:schemeClr val="tx1"/>
+              </a:solidFill>
+              <a:latin typeface="Tahoma" panose="020B0604030504040204" pitchFamily="34" charset="0"/>
+              <a:ea typeface="Tahoma" panose="020B0604030504040204" pitchFamily="34" charset="0"/>
+              <a:cs typeface="Tahoma" panose="020B0604030504040204" pitchFamily="34" charset="0"/>
+            </a:endParaRPr>
+          </a:p>
+          <a:p>
+            <a:r>
+              <a:rPr lang="it-IT" sz="2400" dirty="0">
+                <a:solidFill>
+                  <a:schemeClr val="tx1"/>
+                </a:solidFill>
+                <a:latin typeface="Tahoma" panose="020B0604030504040204" pitchFamily="34" charset="0"/>
+                <a:ea typeface="Tahoma" panose="020B0604030504040204" pitchFamily="34" charset="0"/>
+                <a:cs typeface="Tahoma" panose="020B0604030504040204" pitchFamily="34" charset="0"/>
+              </a:rPr>
+              <a:t>▪ Tecniche per lo sviluppo di codice sicuro</a:t>
+            </a:r>
+          </a:p>
+          <a:p>
+            <a:r>
+              <a:rPr lang="it-IT" sz="2400" dirty="0">
+                <a:solidFill>
+                  <a:schemeClr val="tx1"/>
+                </a:solidFill>
+                <a:latin typeface="Tahoma" panose="020B0604030504040204" pitchFamily="34" charset="0"/>
+                <a:ea typeface="Tahoma" panose="020B0604030504040204" pitchFamily="34" charset="0"/>
+                <a:cs typeface="Tahoma" panose="020B0604030504040204" pitchFamily="34" charset="0"/>
+              </a:rPr>
+              <a:t>▪ La sicurezza del software, delle reti e dei sistemi</a:t>
+            </a:r>
+            <a:endParaRPr lang="it-IT" sz="2400" dirty="0">
+              <a:solidFill>
+                <a:schemeClr val="tx1"/>
+              </a:solidFill>
+              <a:latin typeface="Tahoma" panose="020B0604030504040204" pitchFamily="34" charset="0"/>
+              <a:ea typeface="Tahoma" panose="020B0604030504040204" pitchFamily="34" charset="0"/>
+              <a:cs typeface="Tahoma" panose="020B0604030504040204" pitchFamily="34" charset="0"/>
+            </a:endParaRPr>
           </a:p>
         </p:txBody>
       </p:sp>
@@ -7864,8 +7902,11 @@
                 <a:ea typeface="Tahoma" panose="020B0604030504040204" pitchFamily="34" charset="0"/>
                 <a:cs typeface="Tahoma" panose="020B0604030504040204" pitchFamily="34" charset="0"/>
               </a:rPr>
-              <a:t>- Nozioni di IT project management</a:t>
-            </a:r>
+              <a:t>- Nozioni di analisi dati e intelligenza artificiale </a:t>
+            </a:r>
+          </a:p>
+          <a:p>
+            <a:pPr algn="l"/>
             <a:r>
               <a:rPr lang="it-IT" sz="2400">
                 <a:solidFill>
@@ -7875,7 +7916,7 @@
                 <a:ea typeface="Tahoma" panose="020B0604030504040204" pitchFamily="34" charset="0"/>
                 <a:cs typeface="Tahoma" panose="020B0604030504040204" pitchFamily="34" charset="0"/>
               </a:rPr>
-              <a:t> </a:t>
+              <a:t>▪ Elementi di modellazione statistica </a:t>
             </a:r>
           </a:p>
           <a:p>
@@ -7889,7 +7930,7 @@
                 <a:ea typeface="Tahoma" panose="020B0604030504040204" pitchFamily="34" charset="0"/>
                 <a:cs typeface="Tahoma" panose="020B0604030504040204" pitchFamily="34" charset="0"/>
               </a:rPr>
-              <a:t>▪ Gestione di un progetto: attività, tempistiche, risorse e costi </a:t>
+              <a:t>▪ Problemi di classificazione e predizione </a:t>
             </a:r>
           </a:p>
           <a:p>
@@ -7903,7 +7944,7 @@
                 <a:ea typeface="Tahoma" panose="020B0604030504040204" pitchFamily="34" charset="0"/>
                 <a:cs typeface="Tahoma" panose="020B0604030504040204" pitchFamily="34" charset="0"/>
               </a:rPr>
-              <a:t>▪ Gestione del team di lavoro </a:t>
+              <a:t>▪ Elaborazione del linguaggio naturale </a:t>
             </a:r>
           </a:p>
           <a:p>
@@ -7917,7 +7958,7 @@
                 <a:ea typeface="Tahoma" panose="020B0604030504040204" pitchFamily="34" charset="0"/>
                 <a:cs typeface="Tahoma" panose="020B0604030504040204" pitchFamily="34" charset="0"/>
               </a:rPr>
-              <a:t>▪ Utilizzo di strumenti di controllo e monitoraggio (es. Gantt, Report di avanzamento attività, Report controllo budget, etc.) </a:t>
+              <a:t>▪ Modelli supervisionati e non supervisionati </a:t>
             </a:r>
           </a:p>
           <a:p>
@@ -7931,7 +7972,35 @@
                 <a:ea typeface="Tahoma" panose="020B0604030504040204" pitchFamily="34" charset="0"/>
                 <a:cs typeface="Tahoma" panose="020B0604030504040204" pitchFamily="34" charset="0"/>
               </a:rPr>
-              <a:t>▪ Le metodologie e il ciclo di sviluppo: definizione dei requisiti, progettazione, realizzazione, collaudo e go-live</a:t>
+              <a:t>▪ Reti neurali e deep learning </a:t>
+            </a:r>
+          </a:p>
+          <a:p>
+            <a:pPr algn="l"/>
+            <a:r>
+              <a:rPr lang="it-IT" sz="2400">
+                <a:solidFill>
+                  <a:schemeClr val="tx1"/>
+                </a:solidFill>
+                <a:latin typeface="Tahoma" panose="020B0604030504040204" pitchFamily="34" charset="0"/>
+                <a:ea typeface="Tahoma" panose="020B0604030504040204" pitchFamily="34" charset="0"/>
+                <a:cs typeface="Tahoma" panose="020B0604030504040204" pitchFamily="34" charset="0"/>
+              </a:rPr>
+              <a:t>▪ Algoritmi </a:t>
+            </a:r>
+          </a:p>
+          <a:p>
+            <a:pPr algn="l"/>
+            <a:r>
+              <a:rPr lang="it-IT" sz="2400">
+                <a:solidFill>
+                  <a:schemeClr val="tx1"/>
+                </a:solidFill>
+                <a:latin typeface="Tahoma" panose="020B0604030504040204" pitchFamily="34" charset="0"/>
+                <a:ea typeface="Tahoma" panose="020B0604030504040204" pitchFamily="34" charset="0"/>
+                <a:cs typeface="Tahoma" panose="020B0604030504040204" pitchFamily="34" charset="0"/>
+              </a:rPr>
+              <a:t>▪ Elementi di Machine Learning, Artificial Intelligence e Blockchain</a:t>
             </a:r>
           </a:p>
         </p:txBody>
@@ -7973,6 +8042,178 @@
     </p:spTree>
     <p:extLst>
       <p:ext uri="{BB962C8B-B14F-4D97-AF65-F5344CB8AC3E}">
+        <p14:creationId xmlns:p14="http://schemas.microsoft.com/office/powerpoint/2010/main" val="1952076536"/>
+      </p:ext>
+    </p:extLst>
+  </p:cSld>
+  <p:clrMapOvr>
+    <a:masterClrMapping/>
+  </p:clrMapOvr>
+</p:sld>
+</file>
+
+<file path=ppt/slides/slide7.xml><?xml version="1.0" encoding="utf-8"?>
+<p:sld xmlns:a="http://schemas.openxmlformats.org/drawingml/2006/main" xmlns:r="http://schemas.openxmlformats.org/officeDocument/2006/relationships" xmlns:p="http://schemas.openxmlformats.org/presentationml/2006/main" show="0">
+  <p:cSld>
+    <p:spTree>
+      <p:nvGrpSpPr>
+        <p:cNvPr id="1" name=""/>
+        <p:cNvGrpSpPr/>
+        <p:nvPr/>
+      </p:nvGrpSpPr>
+      <p:grpSpPr>
+        <a:xfrm>
+          <a:off x="0" y="0"/>
+          <a:ext cx="0" cy="0"/>
+          <a:chOff x="0" y="0"/>
+          <a:chExt cx="0" cy="0"/>
+        </a:xfrm>
+      </p:grpSpPr>
+      <p:sp>
+        <p:nvSpPr>
+          <p:cNvPr id="2" name="Segnaposto testo 1">
+            <a:extLst>
+              <a:ext uri="{FF2B5EF4-FFF2-40B4-BE49-F238E27FC236}">
+                <a16:creationId xmlns:a16="http://schemas.microsoft.com/office/drawing/2014/main" id="{E5AE986C-196F-4141-A898-FA4C4198CDCC}"/>
+              </a:ext>
+            </a:extLst>
+          </p:cNvPr>
+          <p:cNvSpPr>
+            <a:spLocks noGrp="1"/>
+          </p:cNvSpPr>
+          <p:nvPr>
+            <p:ph type="body" idx="1"/>
+          </p:nvPr>
+        </p:nvSpPr>
+        <p:spPr>
+          <a:xfrm>
+            <a:off x="326297" y="1213806"/>
+            <a:ext cx="11645309" cy="4392612"/>
+          </a:xfrm>
+        </p:spPr>
+        <p:txBody>
+          <a:bodyPr/>
+          <a:lstStyle/>
+          <a:p>
+            <a:pPr algn="l"/>
+            <a:r>
+              <a:rPr lang="it-IT" sz="2400" b="1">
+                <a:solidFill>
+                  <a:schemeClr val="tx1"/>
+                </a:solidFill>
+                <a:latin typeface="Tahoma" panose="020B0604030504040204" pitchFamily="34" charset="0"/>
+                <a:ea typeface="Tahoma" panose="020B0604030504040204" pitchFamily="34" charset="0"/>
+                <a:cs typeface="Tahoma" panose="020B0604030504040204" pitchFamily="34" charset="0"/>
+              </a:rPr>
+              <a:t>- Nozioni di IT project management</a:t>
+            </a:r>
+            <a:r>
+              <a:rPr lang="it-IT" sz="2400">
+                <a:solidFill>
+                  <a:schemeClr val="tx1"/>
+                </a:solidFill>
+                <a:latin typeface="Tahoma" panose="020B0604030504040204" pitchFamily="34" charset="0"/>
+                <a:ea typeface="Tahoma" panose="020B0604030504040204" pitchFamily="34" charset="0"/>
+                <a:cs typeface="Tahoma" panose="020B0604030504040204" pitchFamily="34" charset="0"/>
+              </a:rPr>
+              <a:t> </a:t>
+            </a:r>
+          </a:p>
+          <a:p>
+            <a:pPr algn="l"/>
+            <a:r>
+              <a:rPr lang="it-IT" sz="2400">
+                <a:solidFill>
+                  <a:schemeClr val="tx1"/>
+                </a:solidFill>
+                <a:latin typeface="Tahoma" panose="020B0604030504040204" pitchFamily="34" charset="0"/>
+                <a:ea typeface="Tahoma" panose="020B0604030504040204" pitchFamily="34" charset="0"/>
+                <a:cs typeface="Tahoma" panose="020B0604030504040204" pitchFamily="34" charset="0"/>
+              </a:rPr>
+              <a:t>▪ Gestione di un progetto: attività, tempistiche, risorse e costi </a:t>
+            </a:r>
+          </a:p>
+          <a:p>
+            <a:pPr algn="l"/>
+            <a:r>
+              <a:rPr lang="it-IT" sz="2400">
+                <a:solidFill>
+                  <a:schemeClr val="tx1"/>
+                </a:solidFill>
+                <a:latin typeface="Tahoma" panose="020B0604030504040204" pitchFamily="34" charset="0"/>
+                <a:ea typeface="Tahoma" panose="020B0604030504040204" pitchFamily="34" charset="0"/>
+                <a:cs typeface="Tahoma" panose="020B0604030504040204" pitchFamily="34" charset="0"/>
+              </a:rPr>
+              <a:t>▪ Gestione del team di lavoro </a:t>
+            </a:r>
+          </a:p>
+          <a:p>
+            <a:pPr algn="l"/>
+            <a:r>
+              <a:rPr lang="it-IT" sz="2400">
+                <a:solidFill>
+                  <a:schemeClr val="tx1"/>
+                </a:solidFill>
+                <a:latin typeface="Tahoma" panose="020B0604030504040204" pitchFamily="34" charset="0"/>
+                <a:ea typeface="Tahoma" panose="020B0604030504040204" pitchFamily="34" charset="0"/>
+                <a:cs typeface="Tahoma" panose="020B0604030504040204" pitchFamily="34" charset="0"/>
+              </a:rPr>
+              <a:t>▪ Utilizzo di strumenti di controllo e monitoraggio (es. Gantt, Report di avanzamento attività, Report controllo budget, etc.) </a:t>
+            </a:r>
+          </a:p>
+          <a:p>
+            <a:pPr algn="l"/>
+            <a:r>
+              <a:rPr lang="it-IT" sz="2400">
+                <a:solidFill>
+                  <a:schemeClr val="tx1"/>
+                </a:solidFill>
+                <a:latin typeface="Tahoma" panose="020B0604030504040204" pitchFamily="34" charset="0"/>
+                <a:ea typeface="Tahoma" panose="020B0604030504040204" pitchFamily="34" charset="0"/>
+                <a:cs typeface="Tahoma" panose="020B0604030504040204" pitchFamily="34" charset="0"/>
+              </a:rPr>
+              <a:t>▪ Le metodologie e il ciclo di sviluppo: definizione dei requisiti, progettazione, realizzazione, collaudo e go-live</a:t>
+            </a:r>
+          </a:p>
+        </p:txBody>
+      </p:sp>
+      <p:sp>
+        <p:nvSpPr>
+          <p:cNvPr id="5" name="Titolo 4">
+            <a:extLst>
+              <a:ext uri="{FF2B5EF4-FFF2-40B4-BE49-F238E27FC236}">
+                <a16:creationId xmlns:a16="http://schemas.microsoft.com/office/drawing/2014/main" id="{82C46BA2-B380-4357-B125-BA9F08A643F5}"/>
+              </a:ext>
+            </a:extLst>
+          </p:cNvPr>
+          <p:cNvSpPr>
+            <a:spLocks noGrp="1"/>
+          </p:cNvSpPr>
+          <p:nvPr>
+            <p:ph type="title"/>
+          </p:nvPr>
+        </p:nvSpPr>
+        <p:spPr>
+          <a:xfrm>
+            <a:off x="468895" y="503475"/>
+            <a:ext cx="11269308" cy="384721"/>
+          </a:xfrm>
+        </p:spPr>
+        <p:txBody>
+          <a:bodyPr/>
+          <a:lstStyle/>
+          <a:p>
+            <a:r>
+              <a:rPr lang="it-IT" altLang="it-IT" dirty="0"/>
+              <a:t>Programma generale</a:t>
+            </a:r>
+            <a:endParaRPr lang="it-IT" dirty="0"/>
+          </a:p>
+        </p:txBody>
+      </p:sp>
+    </p:spTree>
+    <p:extLst>
+      <p:ext uri="{BB962C8B-B14F-4D97-AF65-F5344CB8AC3E}">
         <p14:creationId xmlns:p14="http://schemas.microsoft.com/office/powerpoint/2010/main" val="4195270879"/>
       </p:ext>
     </p:extLst>
@@ -7980,6 +8221,14 @@
   <p:clrMapOvr>
     <a:masterClrMapping/>
   </p:clrMapOvr>
+  <mc:AlternateContent xmlns:mc="http://schemas.openxmlformats.org/markup-compatibility/2006">
+    <mc:Choice xmlns:p14="http://schemas.microsoft.com/office/powerpoint/2010/main" Requires="p14">
+      <p:transition spd="slow" p14:dur="2000"/>
+    </mc:Choice>
+    <mc:Fallback>
+      <p:transition spd="slow"/>
+    </mc:Fallback>
+  </mc:AlternateContent>
 </p:sld>
 </file>
 
@@ -8549,28 +8798,55 @@
 
 <file path=customXml/item1.xml><?xml version="1.0" encoding="utf-8"?>
 <?mso-contentType ?>
-<FormTemplates xmlns="http://schemas.microsoft.com/sharepoint/v3/contenttype/forms">
-  <Display>DocumentLibraryForm</Display>
-  <Edit>DocumentLibraryForm</Edit>
-  <New>DocumentLibraryForm</New>
-</FormTemplates>
+<spe:Receivers xmlns:spe="http://schemas.microsoft.com/sharepoint/events">
+  <Receiver>
+    <Name>Document ID Generator</Name>
+    <Synchronization>Synchronous</Synchronization>
+    <Type>10001</Type>
+    <SequenceNumber>1000</SequenceNumber>
+    <Url/>
+    <Assembly>Microsoft.Office.DocumentManagement, Version=15.0.0.0, Culture=neutral, PublicKeyToken=71e9bce111e9429c</Assembly>
+    <Class>Microsoft.Office.DocumentManagement.Internal.DocIdHandler</Class>
+    <Data/>
+    <Filter/>
+  </Receiver>
+  <Receiver>
+    <Name>Document ID Generator</Name>
+    <Synchronization>Synchronous</Synchronization>
+    <Type>10002</Type>
+    <SequenceNumber>1001</SequenceNumber>
+    <Url/>
+    <Assembly>Microsoft.Office.DocumentManagement, Version=15.0.0.0, Culture=neutral, PublicKeyToken=71e9bce111e9429c</Assembly>
+    <Class>Microsoft.Office.DocumentManagement.Internal.DocIdHandler</Class>
+    <Data/>
+    <Filter/>
+  </Receiver>
+  <Receiver>
+    <Name>Document ID Generator</Name>
+    <Synchronization>Synchronous</Synchronization>
+    <Type>10004</Type>
+    <SequenceNumber>1002</SequenceNumber>
+    <Url/>
+    <Assembly>Microsoft.Office.DocumentManagement, Version=15.0.0.0, Culture=neutral, PublicKeyToken=71e9bce111e9429c</Assembly>
+    <Class>Microsoft.Office.DocumentManagement.Internal.DocIdHandler</Class>
+    <Data/>
+    <Filter/>
+  </Receiver>
+  <Receiver>
+    <Name>Document ID Generator</Name>
+    <Synchronization>Synchronous</Synchronization>
+    <Type>10006</Type>
+    <SequenceNumber>1003</SequenceNumber>
+    <Url/>
+    <Assembly>Microsoft.Office.DocumentManagement, Version=15.0.0.0, Culture=neutral, PublicKeyToken=71e9bce111e9429c</Assembly>
+    <Class>Microsoft.Office.DocumentManagement.Internal.DocIdHandler</Class>
+    <Data/>
+    <Filter/>
+  </Receiver>
+</spe:Receivers>
 </file>
 
 <file path=customXml/item2.xml><?xml version="1.0" encoding="utf-8"?>
-<p:properties xmlns:p="http://schemas.microsoft.com/office/2006/metadata/properties" xmlns:xsi="http://www.w3.org/2001/XMLSchema-instance" xmlns:pc="http://schemas.microsoft.com/office/infopath/2007/PartnerControls">
-  <documentManagement>
-    <SottoCategoria xmlns="679261c3-551f-4e86-913f-177e0e529669">-</SottoCategoria>
-    <Categoria xmlns="c58f2efd-82a8-4ecf-b395-8c25e928921d">Power Point</Categoria>
-    <_dlc_DocId xmlns="459159c4-d20a-4ff3-9b11-fbd127bd52e5">INTRANET-14-158</_dlc_DocId>
-    <_dlc_DocIdUrl xmlns="459159c4-d20a-4ff3-9b11-fbd127bd52e5">
-      <Url>https://intranet.istat.it/Collaborativi/_layouts/15/DocIdRedir.aspx?ID=INTRANET-14-158</Url>
-      <Description>INTRANET-14-158</Description>
-    </_dlc_DocIdUrl>
-  </documentManagement>
-</p:properties>
-</file>
-
-<file path=customXml/item3.xml><?xml version="1.0" encoding="utf-8"?>
 <ct:contentTypeSchema xmlns:ct="http://schemas.microsoft.com/office/2006/metadata/contentType" xmlns:ma="http://schemas.microsoft.com/office/2006/metadata/properties/metaAttributes" ct:_="" ma:_="" ma:contentTypeName="Documento" ma:contentTypeID="0x010100661A2BE3120D674DA36C11D6006822D4" ma:contentTypeVersion="3" ma:contentTypeDescription="Creare un nuovo documento." ma:contentTypeScope="" ma:versionID="2ad8b07f9840a1ce9cd199d874146b74">
   <xsd:schema xmlns:xsd="http://www.w3.org/2001/XMLSchema" xmlns:xs="http://www.w3.org/2001/XMLSchema" xmlns:p="http://schemas.microsoft.com/office/2006/metadata/properties" xmlns:ns2="c58f2efd-82a8-4ecf-b395-8c25e928921d" xmlns:ns3="459159c4-d20a-4ff3-9b11-fbd127bd52e5" xmlns:ns4="679261c3-551f-4e86-913f-177e0e529669" targetNamespace="http://schemas.microsoft.com/office/2006/metadata/properties" ma:root="true" ma:fieldsID="fffb0e16fb90ffea59fef1085e90ecca" ns2:_="" ns3:_="" ns4:_="">
     <xsd:import namespace="c58f2efd-82a8-4ecf-b395-8c25e928921d"/>
@@ -8757,83 +9033,38 @@
 </ct:contentTypeSchema>
 </file>
 
+<file path=customXml/item3.xml><?xml version="1.0" encoding="utf-8"?>
+<p:properties xmlns:p="http://schemas.microsoft.com/office/2006/metadata/properties" xmlns:xsi="http://www.w3.org/2001/XMLSchema-instance" xmlns:pc="http://schemas.microsoft.com/office/infopath/2007/PartnerControls">
+  <documentManagement>
+    <SottoCategoria xmlns="679261c3-551f-4e86-913f-177e0e529669">-</SottoCategoria>
+    <Categoria xmlns="c58f2efd-82a8-4ecf-b395-8c25e928921d">Power Point</Categoria>
+    <_dlc_DocId xmlns="459159c4-d20a-4ff3-9b11-fbd127bd52e5">INTRANET-14-158</_dlc_DocId>
+    <_dlc_DocIdUrl xmlns="459159c4-d20a-4ff3-9b11-fbd127bd52e5">
+      <Url>https://intranet.istat.it/Collaborativi/_layouts/15/DocIdRedir.aspx?ID=INTRANET-14-158</Url>
+      <Description>INTRANET-14-158</Description>
+    </_dlc_DocIdUrl>
+  </documentManagement>
+</p:properties>
+</file>
+
 <file path=customXml/item4.xml><?xml version="1.0" encoding="utf-8"?>
 <?mso-contentType ?>
-<spe:Receivers xmlns:spe="http://schemas.microsoft.com/sharepoint/events">
-  <Receiver>
-    <Name>Document ID Generator</Name>
-    <Synchronization>Synchronous</Synchronization>
-    <Type>10001</Type>
-    <SequenceNumber>1000</SequenceNumber>
-    <Url/>
-    <Assembly>Microsoft.Office.DocumentManagement, Version=15.0.0.0, Culture=neutral, PublicKeyToken=71e9bce111e9429c</Assembly>
-    <Class>Microsoft.Office.DocumentManagement.Internal.DocIdHandler</Class>
-    <Data/>
-    <Filter/>
-  </Receiver>
-  <Receiver>
-    <Name>Document ID Generator</Name>
-    <Synchronization>Synchronous</Synchronization>
-    <Type>10002</Type>
-    <SequenceNumber>1001</SequenceNumber>
-    <Url/>
-    <Assembly>Microsoft.Office.DocumentManagement, Version=15.0.0.0, Culture=neutral, PublicKeyToken=71e9bce111e9429c</Assembly>
-    <Class>Microsoft.Office.DocumentManagement.Internal.DocIdHandler</Class>
-    <Data/>
-    <Filter/>
-  </Receiver>
-  <Receiver>
-    <Name>Document ID Generator</Name>
-    <Synchronization>Synchronous</Synchronization>
-    <Type>10004</Type>
-    <SequenceNumber>1002</SequenceNumber>
-    <Url/>
-    <Assembly>Microsoft.Office.DocumentManagement, Version=15.0.0.0, Culture=neutral, PublicKeyToken=71e9bce111e9429c</Assembly>
-    <Class>Microsoft.Office.DocumentManagement.Internal.DocIdHandler</Class>
-    <Data/>
-    <Filter/>
-  </Receiver>
-  <Receiver>
-    <Name>Document ID Generator</Name>
-    <Synchronization>Synchronous</Synchronization>
-    <Type>10006</Type>
-    <SequenceNumber>1003</SequenceNumber>
-    <Url/>
-    <Assembly>Microsoft.Office.DocumentManagement, Version=15.0.0.0, Culture=neutral, PublicKeyToken=71e9bce111e9429c</Assembly>
-    <Class>Microsoft.Office.DocumentManagement.Internal.DocIdHandler</Class>
-    <Data/>
-    <Filter/>
-  </Receiver>
-</spe:Receivers>
+<FormTemplates xmlns="http://schemas.microsoft.com/sharepoint/v3/contenttype/forms">
+  <Display>DocumentLibraryForm</Display>
+  <Edit>DocumentLibraryForm</Edit>
+  <New>DocumentLibraryForm</New>
+</FormTemplates>
 </file>
 
 <file path=customXml/itemProps1.xml><?xml version="1.0" encoding="utf-8"?>
-<ds:datastoreItem xmlns:ds="http://schemas.openxmlformats.org/officeDocument/2006/customXml" ds:itemID="{BD9C238D-4D5C-4783-820B-4854DCE45D41}">
+<ds:datastoreItem xmlns:ds="http://schemas.openxmlformats.org/officeDocument/2006/customXml" ds:itemID="{D9296C4F-9DE9-4B43-AA80-1FC85656CFFA}">
   <ds:schemaRefs>
-    <ds:schemaRef ds:uri="http://schemas.microsoft.com/sharepoint/v3/contenttype/forms"/>
+    <ds:schemaRef ds:uri="http://schemas.microsoft.com/sharepoint/events"/>
   </ds:schemaRefs>
 </ds:datastoreItem>
 </file>
 
 <file path=customXml/itemProps2.xml><?xml version="1.0" encoding="utf-8"?>
-<ds:datastoreItem xmlns:ds="http://schemas.openxmlformats.org/officeDocument/2006/customXml" ds:itemID="{3EF378BC-F4D0-4510-B4EC-07B6EFE18CF8}">
-  <ds:schemaRefs>
-    <ds:schemaRef ds:uri="http://schemas.microsoft.com/office/2006/metadata/properties"/>
-    <ds:schemaRef ds:uri="http://purl.org/dc/elements/1.1/"/>
-    <ds:schemaRef ds:uri="679261c3-551f-4e86-913f-177e0e529669"/>
-    <ds:schemaRef ds:uri="http://schemas.openxmlformats.org/package/2006/metadata/core-properties"/>
-    <ds:schemaRef ds:uri="459159c4-d20a-4ff3-9b11-fbd127bd52e5"/>
-    <ds:schemaRef ds:uri="http://purl.org/dc/terms/"/>
-    <ds:schemaRef ds:uri="http://schemas.microsoft.com/office/infopath/2007/PartnerControls"/>
-    <ds:schemaRef ds:uri="http://schemas.microsoft.com/office/2006/documentManagement/types"/>
-    <ds:schemaRef ds:uri="c58f2efd-82a8-4ecf-b395-8c25e928921d"/>
-    <ds:schemaRef ds:uri="http://www.w3.org/XML/1998/namespace"/>
-    <ds:schemaRef ds:uri="http://purl.org/dc/dcmitype/"/>
-  </ds:schemaRefs>
-</ds:datastoreItem>
-</file>
-
-<file path=customXml/itemProps3.xml><?xml version="1.0" encoding="utf-8"?>
 <ds:datastoreItem xmlns:ds="http://schemas.openxmlformats.org/officeDocument/2006/customXml" ds:itemID="{3F66F418-6054-4EA5-BF8E-6AF3CEAE6265}">
   <ds:schemaRefs>
     <ds:schemaRef ds:uri="http://schemas.microsoft.com/office/2006/metadata/contentType"/>
@@ -8853,10 +9084,28 @@
 </ds:datastoreItem>
 </file>
 
+<file path=customXml/itemProps3.xml><?xml version="1.0" encoding="utf-8"?>
+<ds:datastoreItem xmlns:ds="http://schemas.openxmlformats.org/officeDocument/2006/customXml" ds:itemID="{3EF378BC-F4D0-4510-B4EC-07B6EFE18CF8}">
+  <ds:schemaRefs>
+    <ds:schemaRef ds:uri="http://schemas.microsoft.com/office/2006/metadata/properties"/>
+    <ds:schemaRef ds:uri="http://purl.org/dc/elements/1.1/"/>
+    <ds:schemaRef ds:uri="679261c3-551f-4e86-913f-177e0e529669"/>
+    <ds:schemaRef ds:uri="http://schemas.openxmlformats.org/package/2006/metadata/core-properties"/>
+    <ds:schemaRef ds:uri="459159c4-d20a-4ff3-9b11-fbd127bd52e5"/>
+    <ds:schemaRef ds:uri="http://purl.org/dc/terms/"/>
+    <ds:schemaRef ds:uri="http://schemas.microsoft.com/office/infopath/2007/PartnerControls"/>
+    <ds:schemaRef ds:uri="http://schemas.microsoft.com/office/2006/documentManagement/types"/>
+    <ds:schemaRef ds:uri="c58f2efd-82a8-4ecf-b395-8c25e928921d"/>
+    <ds:schemaRef ds:uri="http://www.w3.org/XML/1998/namespace"/>
+    <ds:schemaRef ds:uri="http://purl.org/dc/dcmitype/"/>
+  </ds:schemaRefs>
+</ds:datastoreItem>
+</file>
+
 <file path=customXml/itemProps4.xml><?xml version="1.0" encoding="utf-8"?>
-<ds:datastoreItem xmlns:ds="http://schemas.openxmlformats.org/officeDocument/2006/customXml" ds:itemID="{D9296C4F-9DE9-4B43-AA80-1FC85656CFFA}">
+<ds:datastoreItem xmlns:ds="http://schemas.openxmlformats.org/officeDocument/2006/customXml" ds:itemID="{BD9C238D-4D5C-4783-820B-4854DCE45D41}">
   <ds:schemaRefs>
-    <ds:schemaRef ds:uri="http://schemas.microsoft.com/sharepoint/events"/>
+    <ds:schemaRef ds:uri="http://schemas.microsoft.com/sharepoint/v3/contenttype/forms"/>
   </ds:schemaRefs>
 </ds:datastoreItem>
 </file>